--- a/JC/Presentation_covid.pptx
+++ b/JC/Presentation_covid.pptx
@@ -109,6 +109,11 @@
       </a:defRPr>
     </a:lvl9pPr>
   </p:defaultTextStyle>
+  <p:extLst>
+    <p:ext uri="{EFAFB233-063F-42B5-8137-9DF3F51BA10A}">
+      <p15:sldGuideLst xmlns:p15="http://schemas.microsoft.com/office/powerpoint/2012/main"/>
+    </p:ext>
+  </p:extLst>
 </p:presentation>
 </file>
 
@@ -4297,6 +4302,10 @@
           <a:bodyPr/>
           <a:lstStyle/>
           <a:p>
+            <a:r>
+              <a:rPr lang="en-US" dirty="0" err="1"/>
+              <a:t>Chall</a:t>
+            </a:r>
             <a:endParaRPr lang="en-US" dirty="0"/>
           </a:p>
         </p:txBody>

--- a/JC/Presentation_covid.pptx
+++ b/JC/Presentation_covid.pptx
@@ -6,11 +6,12 @@
   </p:sldMasterIdLst>
   <p:sldIdLst>
     <p:sldId id="256" r:id="rId2"/>
-    <p:sldId id="257" r:id="rId3"/>
-    <p:sldId id="258" r:id="rId4"/>
-    <p:sldId id="259" r:id="rId5"/>
-    <p:sldId id="260" r:id="rId6"/>
-    <p:sldId id="261" r:id="rId7"/>
+    <p:sldId id="262" r:id="rId3"/>
+    <p:sldId id="257" r:id="rId4"/>
+    <p:sldId id="258" r:id="rId5"/>
+    <p:sldId id="259" r:id="rId6"/>
+    <p:sldId id="260" r:id="rId7"/>
+    <p:sldId id="261" r:id="rId8"/>
   </p:sldIdLst>
   <p:sldSz cx="12192000" cy="6858000"/>
   <p:notesSz cx="6858000" cy="9144000"/>
@@ -3411,45 +3412,63 @@
           <a:chExt cx="0" cy="0"/>
         </a:xfrm>
       </p:grpSpPr>
-      <p:pic>
-        <p:nvPicPr>
-          <p:cNvPr id="5" name="Content Placeholder 4" descr="A close up of a map&#10;&#10;Description automatically generated">
-            <a:extLst>
-              <a:ext uri="{FF2B5EF4-FFF2-40B4-BE49-F238E27FC236}">
-                <a16:creationId xmlns:a16="http://schemas.microsoft.com/office/drawing/2014/main" id="{B8597CF6-6F6E-4B45-97D4-AB2178361843}"/>
-              </a:ext>
-            </a:extLst>
-          </p:cNvPr>
-          <p:cNvPicPr>
-            <a:picLocks noGrp="1" noChangeAspect="1"/>
-          </p:cNvPicPr>
+      <p:sp>
+        <p:nvSpPr>
+          <p:cNvPr id="2" name="Title 1">
+            <a:extLst>
+              <a:ext uri="{FF2B5EF4-FFF2-40B4-BE49-F238E27FC236}">
+                <a16:creationId xmlns:a16="http://schemas.microsoft.com/office/drawing/2014/main" id="{6DF70265-E9C2-4A4A-9316-B6B9E35BC080}"/>
+              </a:ext>
+            </a:extLst>
+          </p:cNvPr>
+          <p:cNvSpPr>
+            <a:spLocks noGrp="1"/>
+          </p:cNvSpPr>
+          <p:nvPr>
+            <p:ph type="title"/>
+          </p:nvPr>
+        </p:nvSpPr>
+        <p:spPr/>
+        <p:txBody>
+          <a:bodyPr/>
+          <a:lstStyle/>
+          <a:p>
+            <a:r>
+              <a:rPr lang="en-US" dirty="0"/>
+              <a:t>Data Collection and Preprocessing</a:t>
+            </a:r>
+          </a:p>
+        </p:txBody>
+      </p:sp>
+      <p:sp>
+        <p:nvSpPr>
+          <p:cNvPr id="3" name="Content Placeholder 2">
+            <a:extLst>
+              <a:ext uri="{FF2B5EF4-FFF2-40B4-BE49-F238E27FC236}">
+                <a16:creationId xmlns:a16="http://schemas.microsoft.com/office/drawing/2014/main" id="{5D7E8F06-8433-47EB-A7BE-77D64BA943B1}"/>
+              </a:ext>
+            </a:extLst>
+          </p:cNvPr>
+          <p:cNvSpPr>
+            <a:spLocks noGrp="1"/>
+          </p:cNvSpPr>
           <p:nvPr>
             <p:ph idx="1"/>
           </p:nvPr>
-        </p:nvPicPr>
-        <p:blipFill>
-          <a:blip r:embed="rId2">
-            <a:extLst>
-              <a:ext uri="{28A0092B-C50C-407E-A947-70E740481C1C}">
-                <a14:useLocalDpi xmlns:a14="http://schemas.microsoft.com/office/drawing/2010/main" val="0"/>
-              </a:ext>
-            </a:extLst>
-          </a:blip>
-          <a:stretch>
-            <a:fillRect/>
-          </a:stretch>
-        </p:blipFill>
-        <p:spPr>
-          <a:xfrm>
-            <a:off x="-1094489" y="-112849"/>
-            <a:ext cx="14167395" cy="7083698"/>
-          </a:xfrm>
-        </p:spPr>
-      </p:pic>
+        </p:nvSpPr>
+        <p:spPr/>
+        <p:txBody>
+          <a:bodyPr/>
+          <a:lstStyle/>
+          <a:p>
+            <a:endParaRPr lang="en-US"/>
+          </a:p>
+        </p:txBody>
+      </p:sp>
     </p:spTree>
     <p:extLst>
       <p:ext uri="{BB962C8B-B14F-4D97-AF65-F5344CB8AC3E}">
-        <p14:creationId xmlns:p14="http://schemas.microsoft.com/office/powerpoint/2010/main" val="258685456"/>
+        <p14:creationId xmlns:p14="http://schemas.microsoft.com/office/powerpoint/2010/main" val="1879796970"/>
       </p:ext>
     </p:extLst>
   </p:cSld>
@@ -3478,6 +3497,71 @@
       </p:grpSpPr>
       <p:pic>
         <p:nvPicPr>
+          <p:cNvPr id="5" name="Content Placeholder 4" descr="A close up of a map&#10;&#10;Description automatically generated">
+            <a:extLst>
+              <a:ext uri="{FF2B5EF4-FFF2-40B4-BE49-F238E27FC236}">
+                <a16:creationId xmlns:a16="http://schemas.microsoft.com/office/drawing/2014/main" id="{B8597CF6-6F6E-4B45-97D4-AB2178361843}"/>
+              </a:ext>
+            </a:extLst>
+          </p:cNvPr>
+          <p:cNvPicPr>
+            <a:picLocks noGrp="1" noChangeAspect="1"/>
+          </p:cNvPicPr>
+          <p:nvPr>
+            <p:ph idx="1"/>
+          </p:nvPr>
+        </p:nvPicPr>
+        <p:blipFill>
+          <a:blip r:embed="rId2">
+            <a:extLst>
+              <a:ext uri="{28A0092B-C50C-407E-A947-70E740481C1C}">
+                <a14:useLocalDpi xmlns:a14="http://schemas.microsoft.com/office/drawing/2010/main" val="0"/>
+              </a:ext>
+            </a:extLst>
+          </a:blip>
+          <a:stretch>
+            <a:fillRect/>
+          </a:stretch>
+        </p:blipFill>
+        <p:spPr>
+          <a:xfrm>
+            <a:off x="-1094489" y="-112849"/>
+            <a:ext cx="14167395" cy="7083698"/>
+          </a:xfrm>
+        </p:spPr>
+      </p:pic>
+    </p:spTree>
+    <p:extLst>
+      <p:ext uri="{BB962C8B-B14F-4D97-AF65-F5344CB8AC3E}">
+        <p14:creationId xmlns:p14="http://schemas.microsoft.com/office/powerpoint/2010/main" val="258685456"/>
+      </p:ext>
+    </p:extLst>
+  </p:cSld>
+  <p:clrMapOvr>
+    <a:masterClrMapping/>
+  </p:clrMapOvr>
+</p:sld>
+</file>
+
+<file path=ppt/slides/slide4.xml><?xml version="1.0" encoding="utf-8"?>
+<p:sld xmlns:a="http://schemas.openxmlformats.org/drawingml/2006/main" xmlns:r="http://schemas.openxmlformats.org/officeDocument/2006/relationships" xmlns:p="http://schemas.openxmlformats.org/presentationml/2006/main">
+  <p:cSld>
+    <p:spTree>
+      <p:nvGrpSpPr>
+        <p:cNvPr id="1" name=""/>
+        <p:cNvGrpSpPr/>
+        <p:nvPr/>
+      </p:nvGrpSpPr>
+      <p:grpSpPr>
+        <a:xfrm>
+          <a:off x="0" y="0"/>
+          <a:ext cx="0" cy="0"/>
+          <a:chOff x="0" y="0"/>
+          <a:chExt cx="0" cy="0"/>
+        </a:xfrm>
+      </p:grpSpPr>
+      <p:pic>
+        <p:nvPicPr>
           <p:cNvPr id="5" name="Picture 4" descr="A close up of a map&#10;&#10;Description automatically generated">
             <a:extLst>
               <a:ext uri="{FF2B5EF4-FFF2-40B4-BE49-F238E27FC236}">
@@ -3525,7 +3609,7 @@
 </p:sld>
 </file>
 
-<file path=ppt/slides/slide4.xml><?xml version="1.0" encoding="utf-8"?>
+<file path=ppt/slides/slide5.xml><?xml version="1.0" encoding="utf-8"?>
 <p:sld xmlns:a="http://schemas.openxmlformats.org/drawingml/2006/main" xmlns:r="http://schemas.openxmlformats.org/officeDocument/2006/relationships" xmlns:p="http://schemas.openxmlformats.org/presentationml/2006/main">
   <p:cSld>
     <p:spTree>
@@ -3602,7 +3686,7 @@
 </p:sld>
 </file>
 
-<file path=ppt/slides/slide5.xml><?xml version="1.0" encoding="utf-8"?>
+<file path=ppt/slides/slide6.xml><?xml version="1.0" encoding="utf-8"?>
 <p:sld xmlns:a="http://schemas.openxmlformats.org/drawingml/2006/main" xmlns:r="http://schemas.openxmlformats.org/officeDocument/2006/relationships" xmlns:p="http://schemas.openxmlformats.org/presentationml/2006/main">
   <p:cSld>
     <p:spTree>
@@ -4264,7 +4348,7 @@
 </p:sld>
 </file>
 
-<file path=ppt/slides/slide6.xml><?xml version="1.0" encoding="utf-8"?>
+<file path=ppt/slides/slide7.xml><?xml version="1.0" encoding="utf-8"?>
 <p:sld xmlns:a="http://schemas.openxmlformats.org/drawingml/2006/main" xmlns:r="http://schemas.openxmlformats.org/officeDocument/2006/relationships" xmlns:p="http://schemas.openxmlformats.org/presentationml/2006/main">
   <p:cSld>
     <p:spTree>
@@ -4303,10 +4387,9 @@
           <a:lstStyle/>
           <a:p>
             <a:r>
-              <a:rPr lang="en-US" dirty="0" err="1"/>
-              <a:t>Chall</a:t>
-            </a:r>
-            <a:endParaRPr lang="en-US" dirty="0"/>
+              <a:rPr lang="en-US" dirty="0"/>
+              <a:t>Challenges and Next Steps</a:t>
+            </a:r>
           </a:p>
         </p:txBody>
       </p:sp>
@@ -4331,7 +4414,90 @@
           <a:bodyPr/>
           <a:lstStyle/>
           <a:p>
-            <a:endParaRPr lang="en-US"/>
+            <a:r>
+              <a:rPr lang="en-US" dirty="0"/>
+              <a:t>Only </a:t>
+            </a:r>
+            <a:r>
+              <a:rPr lang="en-US" dirty="0">
+                <a:solidFill>
+                  <a:srgbClr val="FF0000"/>
+                </a:solidFill>
+              </a:rPr>
+              <a:t>number of confirmed cases </a:t>
+            </a:r>
+            <a:r>
+              <a:rPr lang="en-US" dirty="0"/>
+              <a:t>are used as the parameters to evaluate the effectiveness of the measures by government and individual, and the time frame is confined to the </a:t>
+            </a:r>
+            <a:r>
+              <a:rPr lang="en-US" dirty="0">
+                <a:solidFill>
+                  <a:srgbClr val="FF0000"/>
+                </a:solidFill>
+              </a:rPr>
+              <a:t>first 6 months</a:t>
+            </a:r>
+          </a:p>
+          <a:p>
+            <a:r>
+              <a:rPr lang="en-US" dirty="0"/>
+              <a:t>Relative </a:t>
+            </a:r>
+            <a:r>
+              <a:rPr lang="en-US" dirty="0">
+                <a:solidFill>
+                  <a:srgbClr val="FF0000"/>
+                </a:solidFill>
+              </a:rPr>
+              <a:t>economic impact</a:t>
+            </a:r>
+            <a:r>
+              <a:rPr lang="en-US" dirty="0"/>
+              <a:t>, virus </a:t>
+            </a:r>
+            <a:r>
+              <a:rPr lang="en-US" dirty="0">
+                <a:solidFill>
+                  <a:srgbClr val="FF0000"/>
+                </a:solidFill>
+              </a:rPr>
+              <a:t>lethality</a:t>
+            </a:r>
+            <a:r>
+              <a:rPr lang="en-US" dirty="0"/>
+              <a:t>, long-term </a:t>
+            </a:r>
+            <a:r>
+              <a:rPr lang="en-US" dirty="0">
+                <a:solidFill>
+                  <a:srgbClr val="FF0000"/>
+                </a:solidFill>
+              </a:rPr>
+              <a:t>herd immunity</a:t>
+            </a:r>
+            <a:r>
+              <a:rPr lang="en-US" dirty="0"/>
+              <a:t>, percentage of </a:t>
+            </a:r>
+            <a:r>
+              <a:rPr lang="en-US" dirty="0">
+                <a:solidFill>
+                  <a:srgbClr val="FF0000"/>
+                </a:solidFill>
+              </a:rPr>
+              <a:t>asymptomatic </a:t>
+            </a:r>
+            <a:r>
+              <a:rPr lang="en-US" dirty="0"/>
+              <a:t>patients, performance of other countries can all attributed to the success of a society to cope with the virus</a:t>
+            </a:r>
+          </a:p>
+          <a:p>
+            <a:r>
+              <a:rPr lang="en-US" dirty="0"/>
+              <a:t>The project is very scalable though. Based on our current framework, we can expand the scope to longer timeframe and take the aforementioned parameters into account, hence producing a more wholistic evaluation</a:t>
+            </a:r>
           </a:p>
         </p:txBody>
       </p:sp>

--- a/JC/Presentation_covid.pptx
+++ b/JC/Presentation_covid.pptx
@@ -5,13 +5,13 @@
     <p:sldMasterId id="2147483648" r:id="rId1"/>
   </p:sldMasterIdLst>
   <p:sldIdLst>
-    <p:sldId id="256" r:id="rId2"/>
-    <p:sldId id="262" r:id="rId3"/>
-    <p:sldId id="257" r:id="rId4"/>
-    <p:sldId id="258" r:id="rId5"/>
-    <p:sldId id="259" r:id="rId6"/>
-    <p:sldId id="260" r:id="rId7"/>
-    <p:sldId id="261" r:id="rId8"/>
+    <p:sldId id="262" r:id="rId2"/>
+    <p:sldId id="257" r:id="rId3"/>
+    <p:sldId id="258" r:id="rId4"/>
+    <p:sldId id="259" r:id="rId5"/>
+    <p:sldId id="260" r:id="rId6"/>
+    <p:sldId id="261" r:id="rId7"/>
+    <p:sldId id="263" r:id="rId8"/>
   </p:sldIdLst>
   <p:sldSz cx="12192000" cy="6858000"/>
   <p:notesSz cx="6858000" cy="9144000"/>
@@ -3337,15 +3337,15 @@
           <p:cNvPr id="2" name="Title 1">
             <a:extLst>
               <a:ext uri="{FF2B5EF4-FFF2-40B4-BE49-F238E27FC236}">
-                <a16:creationId xmlns:a16="http://schemas.microsoft.com/office/drawing/2014/main" id="{2D0DFCE2-9E73-4D8F-8679-CE020C2E3062}"/>
-              </a:ext>
-            </a:extLst>
-          </p:cNvPr>
-          <p:cNvSpPr>
-            <a:spLocks noGrp="1"/>
-          </p:cNvSpPr>
-          <p:nvPr>
-            <p:ph type="ctrTitle"/>
+                <a16:creationId xmlns:a16="http://schemas.microsoft.com/office/drawing/2014/main" id="{6DF70265-E9C2-4A4A-9316-B6B9E35BC080}"/>
+              </a:ext>
+            </a:extLst>
+          </p:cNvPr>
+          <p:cNvSpPr>
+            <a:spLocks noGrp="1"/>
+          </p:cNvSpPr>
+          <p:nvPr>
+            <p:ph type="title"/>
           </p:nvPr>
         </p:nvSpPr>
         <p:spPr/>
@@ -3353,39 +3353,107 @@
           <a:bodyPr/>
           <a:lstStyle/>
           <a:p>
-            <a:endParaRPr lang="en-US"/>
-          </a:p>
-        </p:txBody>
-      </p:sp>
-      <p:sp>
-        <p:nvSpPr>
-          <p:cNvPr id="3" name="Subtitle 2">
-            <a:extLst>
-              <a:ext uri="{FF2B5EF4-FFF2-40B4-BE49-F238E27FC236}">
-                <a16:creationId xmlns:a16="http://schemas.microsoft.com/office/drawing/2014/main" id="{5F1BB7FA-6963-42FB-BFE6-1331FD7DF7F2}"/>
-              </a:ext>
-            </a:extLst>
-          </p:cNvPr>
-          <p:cNvSpPr>
-            <a:spLocks noGrp="1"/>
-          </p:cNvSpPr>
-          <p:nvPr>
-            <p:ph type="subTitle" idx="1"/>
-          </p:nvPr>
-        </p:nvSpPr>
-        <p:spPr/>
-        <p:txBody>
-          <a:bodyPr/>
-          <a:lstStyle/>
-          <a:p>
-            <a:endParaRPr lang="en-US"/>
-          </a:p>
-        </p:txBody>
-      </p:sp>
+            <a:r>
+              <a:rPr lang="en-US" dirty="0"/>
+              <a:t>Data Collection and Preprocessing</a:t>
+            </a:r>
+          </a:p>
+        </p:txBody>
+      </p:sp>
+      <p:pic>
+        <p:nvPicPr>
+          <p:cNvPr id="4" name="Picture 3">
+            <a:extLst>
+              <a:ext uri="{FF2B5EF4-FFF2-40B4-BE49-F238E27FC236}">
+                <a16:creationId xmlns:a16="http://schemas.microsoft.com/office/drawing/2014/main" id="{8457BC2A-746F-4236-B266-935CF61AE1EF}"/>
+              </a:ext>
+            </a:extLst>
+          </p:cNvPr>
+          <p:cNvPicPr>
+            <a:picLocks noChangeAspect="1"/>
+          </p:cNvPicPr>
+          <p:nvPr/>
+        </p:nvPicPr>
+        <p:blipFill>
+          <a:blip r:embed="rId2"/>
+          <a:stretch>
+            <a:fillRect/>
+          </a:stretch>
+        </p:blipFill>
+        <p:spPr>
+          <a:xfrm>
+            <a:off x="82867" y="1575058"/>
+            <a:ext cx="6368733" cy="5181342"/>
+          </a:xfrm>
+          <a:prstGeom prst="rect">
+            <a:avLst/>
+          </a:prstGeom>
+        </p:spPr>
+      </p:pic>
+      <p:pic>
+        <p:nvPicPr>
+          <p:cNvPr id="5" name="Picture 4">
+            <a:extLst>
+              <a:ext uri="{FF2B5EF4-FFF2-40B4-BE49-F238E27FC236}">
+                <a16:creationId xmlns:a16="http://schemas.microsoft.com/office/drawing/2014/main" id="{6369F866-6D5A-4E26-A2D5-FDBB11EB71EF}"/>
+              </a:ext>
+            </a:extLst>
+          </p:cNvPr>
+          <p:cNvPicPr>
+            <a:picLocks noChangeAspect="1"/>
+          </p:cNvPicPr>
+          <p:nvPr/>
+        </p:nvPicPr>
+        <p:blipFill>
+          <a:blip r:embed="rId3"/>
+          <a:stretch>
+            <a:fillRect/>
+          </a:stretch>
+        </p:blipFill>
+        <p:spPr>
+          <a:xfrm>
+            <a:off x="6451600" y="2586167"/>
+            <a:ext cx="5688827" cy="4170233"/>
+          </a:xfrm>
+          <a:prstGeom prst="rect">
+            <a:avLst/>
+          </a:prstGeom>
+        </p:spPr>
+      </p:pic>
+      <p:pic>
+        <p:nvPicPr>
+          <p:cNvPr id="6" name="Picture 5">
+            <a:extLst>
+              <a:ext uri="{FF2B5EF4-FFF2-40B4-BE49-F238E27FC236}">
+                <a16:creationId xmlns:a16="http://schemas.microsoft.com/office/drawing/2014/main" id="{2EC8B757-3427-41DA-A0A1-FAB4DD695917}"/>
+              </a:ext>
+            </a:extLst>
+          </p:cNvPr>
+          <p:cNvPicPr>
+            <a:picLocks noChangeAspect="1"/>
+          </p:cNvPicPr>
+          <p:nvPr/>
+        </p:nvPicPr>
+        <p:blipFill>
+          <a:blip r:embed="rId4"/>
+          <a:stretch>
+            <a:fillRect/>
+          </a:stretch>
+        </p:blipFill>
+        <p:spPr>
+          <a:xfrm>
+            <a:off x="9099713" y="766033"/>
+            <a:ext cx="2505075" cy="3905250"/>
+          </a:xfrm>
+          <a:prstGeom prst="rect">
+            <a:avLst/>
+          </a:prstGeom>
+        </p:spPr>
+      </p:pic>
     </p:spTree>
     <p:extLst>
       <p:ext uri="{BB962C8B-B14F-4D97-AF65-F5344CB8AC3E}">
-        <p14:creationId xmlns:p14="http://schemas.microsoft.com/office/powerpoint/2010/main" val="141014253"/>
+        <p14:creationId xmlns:p14="http://schemas.microsoft.com/office/powerpoint/2010/main" val="1879796970"/>
       </p:ext>
     </p:extLst>
   </p:cSld>
@@ -3412,63 +3480,45 @@
           <a:chExt cx="0" cy="0"/>
         </a:xfrm>
       </p:grpSpPr>
-      <p:sp>
-        <p:nvSpPr>
-          <p:cNvPr id="2" name="Title 1">
-            <a:extLst>
-              <a:ext uri="{FF2B5EF4-FFF2-40B4-BE49-F238E27FC236}">
-                <a16:creationId xmlns:a16="http://schemas.microsoft.com/office/drawing/2014/main" id="{6DF70265-E9C2-4A4A-9316-B6B9E35BC080}"/>
-              </a:ext>
-            </a:extLst>
-          </p:cNvPr>
-          <p:cNvSpPr>
-            <a:spLocks noGrp="1"/>
-          </p:cNvSpPr>
-          <p:nvPr>
-            <p:ph type="title"/>
-          </p:nvPr>
-        </p:nvSpPr>
-        <p:spPr/>
-        <p:txBody>
-          <a:bodyPr/>
-          <a:lstStyle/>
-          <a:p>
-            <a:r>
-              <a:rPr lang="en-US" dirty="0"/>
-              <a:t>Data Collection and Preprocessing</a:t>
-            </a:r>
-          </a:p>
-        </p:txBody>
-      </p:sp>
-      <p:sp>
-        <p:nvSpPr>
-          <p:cNvPr id="3" name="Content Placeholder 2">
-            <a:extLst>
-              <a:ext uri="{FF2B5EF4-FFF2-40B4-BE49-F238E27FC236}">
-                <a16:creationId xmlns:a16="http://schemas.microsoft.com/office/drawing/2014/main" id="{5D7E8F06-8433-47EB-A7BE-77D64BA943B1}"/>
-              </a:ext>
-            </a:extLst>
-          </p:cNvPr>
-          <p:cNvSpPr>
-            <a:spLocks noGrp="1"/>
-          </p:cNvSpPr>
+      <p:pic>
+        <p:nvPicPr>
+          <p:cNvPr id="5" name="Content Placeholder 4" descr="A close up of a map&#10;&#10;Description automatically generated">
+            <a:extLst>
+              <a:ext uri="{FF2B5EF4-FFF2-40B4-BE49-F238E27FC236}">
+                <a16:creationId xmlns:a16="http://schemas.microsoft.com/office/drawing/2014/main" id="{B8597CF6-6F6E-4B45-97D4-AB2178361843}"/>
+              </a:ext>
+            </a:extLst>
+          </p:cNvPr>
+          <p:cNvPicPr>
+            <a:picLocks noGrp="1" noChangeAspect="1"/>
+          </p:cNvPicPr>
           <p:nvPr>
             <p:ph idx="1"/>
           </p:nvPr>
-        </p:nvSpPr>
-        <p:spPr/>
-        <p:txBody>
-          <a:bodyPr/>
-          <a:lstStyle/>
-          <a:p>
-            <a:endParaRPr lang="en-US"/>
-          </a:p>
-        </p:txBody>
-      </p:sp>
+        </p:nvPicPr>
+        <p:blipFill>
+          <a:blip r:embed="rId2">
+            <a:extLst>
+              <a:ext uri="{28A0092B-C50C-407E-A947-70E740481C1C}">
+                <a14:useLocalDpi xmlns:a14="http://schemas.microsoft.com/office/drawing/2010/main" val="0"/>
+              </a:ext>
+            </a:extLst>
+          </a:blip>
+          <a:stretch>
+            <a:fillRect/>
+          </a:stretch>
+        </p:blipFill>
+        <p:spPr>
+          <a:xfrm>
+            <a:off x="-1094489" y="-112849"/>
+            <a:ext cx="14167395" cy="7083698"/>
+          </a:xfrm>
+        </p:spPr>
+      </p:pic>
     </p:spTree>
     <p:extLst>
       <p:ext uri="{BB962C8B-B14F-4D97-AF65-F5344CB8AC3E}">
-        <p14:creationId xmlns:p14="http://schemas.microsoft.com/office/powerpoint/2010/main" val="1879796970"/>
+        <p14:creationId xmlns:p14="http://schemas.microsoft.com/office/powerpoint/2010/main" val="258685456"/>
       </p:ext>
     </p:extLst>
   </p:cSld>
@@ -3497,71 +3547,6 @@
       </p:grpSpPr>
       <p:pic>
         <p:nvPicPr>
-          <p:cNvPr id="5" name="Content Placeholder 4" descr="A close up of a map&#10;&#10;Description automatically generated">
-            <a:extLst>
-              <a:ext uri="{FF2B5EF4-FFF2-40B4-BE49-F238E27FC236}">
-                <a16:creationId xmlns:a16="http://schemas.microsoft.com/office/drawing/2014/main" id="{B8597CF6-6F6E-4B45-97D4-AB2178361843}"/>
-              </a:ext>
-            </a:extLst>
-          </p:cNvPr>
-          <p:cNvPicPr>
-            <a:picLocks noGrp="1" noChangeAspect="1"/>
-          </p:cNvPicPr>
-          <p:nvPr>
-            <p:ph idx="1"/>
-          </p:nvPr>
-        </p:nvPicPr>
-        <p:blipFill>
-          <a:blip r:embed="rId2">
-            <a:extLst>
-              <a:ext uri="{28A0092B-C50C-407E-A947-70E740481C1C}">
-                <a14:useLocalDpi xmlns:a14="http://schemas.microsoft.com/office/drawing/2010/main" val="0"/>
-              </a:ext>
-            </a:extLst>
-          </a:blip>
-          <a:stretch>
-            <a:fillRect/>
-          </a:stretch>
-        </p:blipFill>
-        <p:spPr>
-          <a:xfrm>
-            <a:off x="-1094489" y="-112849"/>
-            <a:ext cx="14167395" cy="7083698"/>
-          </a:xfrm>
-        </p:spPr>
-      </p:pic>
-    </p:spTree>
-    <p:extLst>
-      <p:ext uri="{BB962C8B-B14F-4D97-AF65-F5344CB8AC3E}">
-        <p14:creationId xmlns:p14="http://schemas.microsoft.com/office/powerpoint/2010/main" val="258685456"/>
-      </p:ext>
-    </p:extLst>
-  </p:cSld>
-  <p:clrMapOvr>
-    <a:masterClrMapping/>
-  </p:clrMapOvr>
-</p:sld>
-</file>
-
-<file path=ppt/slides/slide4.xml><?xml version="1.0" encoding="utf-8"?>
-<p:sld xmlns:a="http://schemas.openxmlformats.org/drawingml/2006/main" xmlns:r="http://schemas.openxmlformats.org/officeDocument/2006/relationships" xmlns:p="http://schemas.openxmlformats.org/presentationml/2006/main">
-  <p:cSld>
-    <p:spTree>
-      <p:nvGrpSpPr>
-        <p:cNvPr id="1" name=""/>
-        <p:cNvGrpSpPr/>
-        <p:nvPr/>
-      </p:nvGrpSpPr>
-      <p:grpSpPr>
-        <a:xfrm>
-          <a:off x="0" y="0"/>
-          <a:ext cx="0" cy="0"/>
-          <a:chOff x="0" y="0"/>
-          <a:chExt cx="0" cy="0"/>
-        </a:xfrm>
-      </p:grpSpPr>
-      <p:pic>
-        <p:nvPicPr>
           <p:cNvPr id="5" name="Picture 4" descr="A close up of a map&#10;&#10;Description automatically generated">
             <a:extLst>
               <a:ext uri="{FF2B5EF4-FFF2-40B4-BE49-F238E27FC236}">
@@ -3609,7 +3594,7 @@
 </p:sld>
 </file>
 
-<file path=ppt/slides/slide5.xml><?xml version="1.0" encoding="utf-8"?>
+<file path=ppt/slides/slide4.xml><?xml version="1.0" encoding="utf-8"?>
 <p:sld xmlns:a="http://schemas.openxmlformats.org/drawingml/2006/main" xmlns:r="http://schemas.openxmlformats.org/officeDocument/2006/relationships" xmlns:p="http://schemas.openxmlformats.org/presentationml/2006/main">
   <p:cSld>
     <p:spTree>
@@ -3686,7 +3671,7 @@
 </p:sld>
 </file>
 
-<file path=ppt/slides/slide6.xml><?xml version="1.0" encoding="utf-8"?>
+<file path=ppt/slides/slide5.xml><?xml version="1.0" encoding="utf-8"?>
 <p:sld xmlns:a="http://schemas.openxmlformats.org/drawingml/2006/main" xmlns:r="http://schemas.openxmlformats.org/officeDocument/2006/relationships" xmlns:p="http://schemas.openxmlformats.org/presentationml/2006/main">
   <p:cSld>
     <p:spTree>
@@ -4348,6 +4333,172 @@
 </p:sld>
 </file>
 
+<file path=ppt/slides/slide6.xml><?xml version="1.0" encoding="utf-8"?>
+<p:sld xmlns:a="http://schemas.openxmlformats.org/drawingml/2006/main" xmlns:r="http://schemas.openxmlformats.org/officeDocument/2006/relationships" xmlns:p="http://schemas.openxmlformats.org/presentationml/2006/main">
+  <p:cSld>
+    <p:spTree>
+      <p:nvGrpSpPr>
+        <p:cNvPr id="1" name=""/>
+        <p:cNvGrpSpPr/>
+        <p:nvPr/>
+      </p:nvGrpSpPr>
+      <p:grpSpPr>
+        <a:xfrm>
+          <a:off x="0" y="0"/>
+          <a:ext cx="0" cy="0"/>
+          <a:chOff x="0" y="0"/>
+          <a:chExt cx="0" cy="0"/>
+        </a:xfrm>
+      </p:grpSpPr>
+      <p:sp>
+        <p:nvSpPr>
+          <p:cNvPr id="2" name="Title 1">
+            <a:extLst>
+              <a:ext uri="{FF2B5EF4-FFF2-40B4-BE49-F238E27FC236}">
+                <a16:creationId xmlns:a16="http://schemas.microsoft.com/office/drawing/2014/main" id="{D6429B96-E81C-4E4E-83DA-4BA68C2DB66E}"/>
+              </a:ext>
+            </a:extLst>
+          </p:cNvPr>
+          <p:cNvSpPr>
+            <a:spLocks noGrp="1"/>
+          </p:cNvSpPr>
+          <p:nvPr>
+            <p:ph type="title"/>
+          </p:nvPr>
+        </p:nvSpPr>
+        <p:spPr/>
+        <p:txBody>
+          <a:bodyPr/>
+          <a:lstStyle/>
+          <a:p>
+            <a:r>
+              <a:rPr lang="en-US" dirty="0"/>
+              <a:t>Challenges and Next Steps</a:t>
+            </a:r>
+          </a:p>
+        </p:txBody>
+      </p:sp>
+      <p:sp>
+        <p:nvSpPr>
+          <p:cNvPr id="3" name="Content Placeholder 2">
+            <a:extLst>
+              <a:ext uri="{FF2B5EF4-FFF2-40B4-BE49-F238E27FC236}">
+                <a16:creationId xmlns:a16="http://schemas.microsoft.com/office/drawing/2014/main" id="{514FBF53-2646-49E3-962A-31864B5374D4}"/>
+              </a:ext>
+            </a:extLst>
+          </p:cNvPr>
+          <p:cNvSpPr>
+            <a:spLocks noGrp="1"/>
+          </p:cNvSpPr>
+          <p:nvPr>
+            <p:ph idx="1"/>
+          </p:nvPr>
+        </p:nvSpPr>
+        <p:spPr/>
+        <p:txBody>
+          <a:bodyPr/>
+          <a:lstStyle/>
+          <a:p>
+            <a:r>
+              <a:rPr lang="en-US" dirty="0"/>
+              <a:t>Only </a:t>
+            </a:r>
+            <a:r>
+              <a:rPr lang="en-US" dirty="0">
+                <a:solidFill>
+                  <a:srgbClr val="FF0000"/>
+                </a:solidFill>
+              </a:rPr>
+              <a:t>number of confirmed cases </a:t>
+            </a:r>
+            <a:r>
+              <a:rPr lang="en-US" dirty="0"/>
+              <a:t>are used as the parameters to evaluate the effectiveness of the measures by government and individual, and the time frame is confined to the </a:t>
+            </a:r>
+            <a:r>
+              <a:rPr lang="en-US" dirty="0">
+                <a:solidFill>
+                  <a:srgbClr val="FF0000"/>
+                </a:solidFill>
+              </a:rPr>
+              <a:t>first 6 months</a:t>
+            </a:r>
+          </a:p>
+          <a:p>
+            <a:r>
+              <a:rPr lang="en-US" dirty="0"/>
+              <a:t>Relative </a:t>
+            </a:r>
+            <a:r>
+              <a:rPr lang="en-US" dirty="0">
+                <a:solidFill>
+                  <a:srgbClr val="FF0000"/>
+                </a:solidFill>
+              </a:rPr>
+              <a:t>economic impact</a:t>
+            </a:r>
+            <a:r>
+              <a:rPr lang="en-US" dirty="0"/>
+              <a:t>, virus </a:t>
+            </a:r>
+            <a:r>
+              <a:rPr lang="en-US" dirty="0">
+                <a:solidFill>
+                  <a:srgbClr val="FF0000"/>
+                </a:solidFill>
+              </a:rPr>
+              <a:t>lethality</a:t>
+            </a:r>
+            <a:r>
+              <a:rPr lang="en-US" dirty="0"/>
+              <a:t>, long-term </a:t>
+            </a:r>
+            <a:r>
+              <a:rPr lang="en-US" dirty="0">
+                <a:solidFill>
+                  <a:srgbClr val="FF0000"/>
+                </a:solidFill>
+              </a:rPr>
+              <a:t>herd immunity</a:t>
+            </a:r>
+            <a:r>
+              <a:rPr lang="en-US" dirty="0"/>
+              <a:t>, percentage of </a:t>
+            </a:r>
+            <a:r>
+              <a:rPr lang="en-US" dirty="0">
+                <a:solidFill>
+                  <a:srgbClr val="FF0000"/>
+                </a:solidFill>
+              </a:rPr>
+              <a:t>asymptomatic </a:t>
+            </a:r>
+            <a:r>
+              <a:rPr lang="en-US" dirty="0"/>
+              <a:t>patients, performance of other countries can all attributed to the success of a society to cope with the virus</a:t>
+            </a:r>
+          </a:p>
+          <a:p>
+            <a:r>
+              <a:rPr lang="en-US" dirty="0"/>
+              <a:t>The project is very scalable though. Based on our current framework, we can expand the scope to longer timeframe and take the aforementioned parameters into account, hence producing a more wholistic evaluation</a:t>
+            </a:r>
+          </a:p>
+        </p:txBody>
+      </p:sp>
+    </p:spTree>
+    <p:extLst>
+      <p:ext uri="{BB962C8B-B14F-4D97-AF65-F5344CB8AC3E}">
+        <p14:creationId xmlns:p14="http://schemas.microsoft.com/office/powerpoint/2010/main" val="2548294473"/>
+      </p:ext>
+    </p:extLst>
+  </p:cSld>
+  <p:clrMapOvr>
+    <a:masterClrMapping/>
+  </p:clrMapOvr>
+</p:sld>
+</file>
+
 <file path=ppt/slides/slide7.xml><?xml version="1.0" encoding="utf-8"?>
 <p:sld xmlns:a="http://schemas.openxmlformats.org/drawingml/2006/main" xmlns:r="http://schemas.openxmlformats.org/officeDocument/2006/relationships" xmlns:p="http://schemas.openxmlformats.org/presentationml/2006/main">
   <p:cSld>
@@ -4370,7 +4521,7 @@
           <p:cNvPr id="2" name="Title 1">
             <a:extLst>
               <a:ext uri="{FF2B5EF4-FFF2-40B4-BE49-F238E27FC236}">
-                <a16:creationId xmlns:a16="http://schemas.microsoft.com/office/drawing/2014/main" id="{D6429B96-E81C-4E4E-83DA-4BA68C2DB66E}"/>
+                <a16:creationId xmlns:a16="http://schemas.microsoft.com/office/drawing/2014/main" id="{16A3323A-EE81-46A9-98BE-6C114B67D21E}"/>
               </a:ext>
             </a:extLst>
           </p:cNvPr>
@@ -4388,7 +4539,7 @@
           <a:p>
             <a:r>
               <a:rPr lang="en-US" dirty="0"/>
-              <a:t>Challenges and Next Steps</a:t>
+              <a:t>Conclusion</a:t>
             </a:r>
           </a:p>
         </p:txBody>
@@ -4398,7 +4549,7 @@
           <p:cNvPr id="3" name="Content Placeholder 2">
             <a:extLst>
               <a:ext uri="{FF2B5EF4-FFF2-40B4-BE49-F238E27FC236}">
-                <a16:creationId xmlns:a16="http://schemas.microsoft.com/office/drawing/2014/main" id="{514FBF53-2646-49E3-962A-31864B5374D4}"/>
+                <a16:creationId xmlns:a16="http://schemas.microsoft.com/office/drawing/2014/main" id="{061CCD24-0306-4567-81C8-128E368663E4}"/>
               </a:ext>
             </a:extLst>
           </p:cNvPr>
@@ -4409,102 +4560,270 @@
             <p:ph idx="1"/>
           </p:nvPr>
         </p:nvSpPr>
-        <p:spPr/>
+        <p:spPr>
+          <a:xfrm>
+            <a:off x="838199" y="1825625"/>
+            <a:ext cx="11192691" cy="4351338"/>
+          </a:xfrm>
+        </p:spPr>
         <p:txBody>
           <a:bodyPr/>
           <a:lstStyle/>
           <a:p>
             <a:r>
               <a:rPr lang="en-US" dirty="0"/>
-              <a:t>Only </a:t>
+              <a:t>The general public and government in Hong Kong reacted to the rising numbers of the </a:t>
             </a:r>
             <a:r>
               <a:rPr lang="en-US" dirty="0">
-                <a:solidFill>
-                  <a:srgbClr val="FF0000"/>
-                </a:solidFill>
+                <a:highlight>
+                  <a:srgbClr val="FFFF00"/>
+                </a:highlight>
               </a:rPr>
-              <a:t>number of confirmed cases </a:t>
+              <a:t>first COVID wave </a:t>
             </a:r>
             <a:r>
               <a:rPr lang="en-US" dirty="0"/>
-              <a:t>are used as the parameters to evaluate the effectiveness of the measures by government and individual, and the time frame is confined to the </a:t>
-            </a:r>
-            <a:r>
-              <a:rPr lang="en-US" dirty="0">
-                <a:solidFill>
-                  <a:srgbClr val="FF0000"/>
-                </a:solidFill>
-              </a:rPr>
-              <a:t>first 6 months</a:t>
-            </a:r>
-          </a:p>
-          <a:p>
-            <a:r>
-              <a:rPr lang="en-US" dirty="0"/>
-              <a:t>Relative </a:t>
-            </a:r>
-            <a:r>
-              <a:rPr lang="en-US" dirty="0">
-                <a:solidFill>
-                  <a:srgbClr val="FF0000"/>
-                </a:solidFill>
-              </a:rPr>
-              <a:t>economic impact</a:t>
-            </a:r>
-            <a:r>
-              <a:rPr lang="en-US" dirty="0"/>
-              <a:t>, virus </a:t>
-            </a:r>
-            <a:r>
-              <a:rPr lang="en-US" dirty="0">
-                <a:solidFill>
-                  <a:srgbClr val="FF0000"/>
-                </a:solidFill>
-              </a:rPr>
-              <a:t>lethality</a:t>
-            </a:r>
-            <a:r>
-              <a:rPr lang="en-US" dirty="0"/>
-              <a:t>, long-term </a:t>
-            </a:r>
-            <a:r>
-              <a:rPr lang="en-US" dirty="0">
-                <a:solidFill>
-                  <a:srgbClr val="FF0000"/>
-                </a:solidFill>
-              </a:rPr>
-              <a:t>herd immunity</a:t>
-            </a:r>
-            <a:r>
-              <a:rPr lang="en-US" dirty="0"/>
-              <a:t>, percentage of </a:t>
-            </a:r>
-            <a:r>
-              <a:rPr lang="en-US" dirty="0">
-                <a:solidFill>
-                  <a:srgbClr val="FF0000"/>
-                </a:solidFill>
-              </a:rPr>
-              <a:t>asymptomatic </a:t>
-            </a:r>
-            <a:r>
-              <a:rPr lang="en-US" dirty="0"/>
-              <a:t>patients, performance of other countries can all attributed to the success of a society to cope with the virus</a:t>
-            </a:r>
-          </a:p>
-          <a:p>
-            <a:r>
-              <a:rPr lang="en-US" dirty="0"/>
-              <a:t>The project is very scalable though. Based on our current framework, we can expand the scope to longer timeframe and take the aforementioned parameters into account, hence producing a more wholistic evaluation</a:t>
-            </a:r>
-          </a:p>
-        </p:txBody>
-      </p:sp>
+              <a:t>quickly enough to minimize the potential exponential increase of infected cases</a:t>
+            </a:r>
+          </a:p>
+        </p:txBody>
+      </p:sp>
+      <p:pic>
+        <p:nvPicPr>
+          <p:cNvPr id="6" name="Picture 5" descr="A close up of a map&#10;&#10;Description automatically generated">
+            <a:extLst>
+              <a:ext uri="{FF2B5EF4-FFF2-40B4-BE49-F238E27FC236}">
+                <a16:creationId xmlns:a16="http://schemas.microsoft.com/office/drawing/2014/main" id="{A156C104-FEA0-472C-B1C1-668CB0ABB2AD}"/>
+              </a:ext>
+            </a:extLst>
+          </p:cNvPr>
+          <p:cNvPicPr>
+            <a:picLocks noChangeAspect="1"/>
+          </p:cNvPicPr>
+          <p:nvPr/>
+        </p:nvPicPr>
+        <p:blipFill>
+          <a:blip r:embed="rId2">
+            <a:extLst>
+              <a:ext uri="{28A0092B-C50C-407E-A947-70E740481C1C}">
+                <a14:useLocalDpi xmlns:a14="http://schemas.microsoft.com/office/drawing/2010/main" val="0"/>
+              </a:ext>
+            </a:extLst>
+          </a:blip>
+          <a:stretch>
+            <a:fillRect/>
+          </a:stretch>
+        </p:blipFill>
+        <p:spPr>
+          <a:xfrm>
+            <a:off x="530273" y="3037754"/>
+            <a:ext cx="10964204" cy="3729810"/>
+          </a:xfrm>
+          <a:prstGeom prst="rect">
+            <a:avLst/>
+          </a:prstGeom>
+          <a:noFill/>
+          <a:ln>
+            <a:solidFill>
+              <a:srgbClr val="92D050"/>
+            </a:solidFill>
+          </a:ln>
+        </p:spPr>
+      </p:pic>
+      <p:sp>
+        <p:nvSpPr>
+          <p:cNvPr id="11" name="Oval 10">
+            <a:extLst>
+              <a:ext uri="{FF2B5EF4-FFF2-40B4-BE49-F238E27FC236}">
+                <a16:creationId xmlns:a16="http://schemas.microsoft.com/office/drawing/2014/main" id="{14876F9B-F39B-4115-A8C2-683925CC1185}"/>
+              </a:ext>
+            </a:extLst>
+          </p:cNvPr>
+          <p:cNvSpPr/>
+          <p:nvPr/>
+        </p:nvSpPr>
+        <p:spPr>
+          <a:xfrm>
+            <a:off x="6812782" y="3429000"/>
+            <a:ext cx="3587262" cy="3338564"/>
+          </a:xfrm>
+          <a:prstGeom prst="ellipse">
+            <a:avLst/>
+          </a:prstGeom>
+          <a:noFill/>
+          <a:ln w="38100">
+            <a:solidFill>
+              <a:srgbClr val="FF0000"/>
+            </a:solidFill>
+          </a:ln>
+          <a:effectLst>
+            <a:innerShdw blurRad="63500" dist="50800" dir="2700000">
+              <a:prstClr val="black">
+                <a:alpha val="50000"/>
+              </a:prstClr>
+            </a:innerShdw>
+          </a:effectLst>
+        </p:spPr>
+        <p:style>
+          <a:lnRef idx="2">
+            <a:schemeClr val="accent1">
+              <a:shade val="50000"/>
+            </a:schemeClr>
+          </a:lnRef>
+          <a:fillRef idx="1">
+            <a:schemeClr val="accent1"/>
+          </a:fillRef>
+          <a:effectRef idx="0">
+            <a:schemeClr val="accent1"/>
+          </a:effectRef>
+          <a:fontRef idx="minor">
+            <a:schemeClr val="lt1"/>
+          </a:fontRef>
+        </p:style>
+        <p:txBody>
+          <a:bodyPr rtlCol="0" anchor="ctr"/>
+          <a:lstStyle/>
+          <a:p>
+            <a:pPr algn="ctr"/>
+            <a:endParaRPr lang="en-US" dirty="0"/>
+          </a:p>
+        </p:txBody>
+      </p:sp>
+      <p:pic>
+        <p:nvPicPr>
+          <p:cNvPr id="14" name="Graphic 13" descr="Question mark">
+            <a:extLst>
+              <a:ext uri="{FF2B5EF4-FFF2-40B4-BE49-F238E27FC236}">
+                <a16:creationId xmlns:a16="http://schemas.microsoft.com/office/drawing/2014/main" id="{4543B527-1ADD-4218-A703-70EDF4929F05}"/>
+              </a:ext>
+            </a:extLst>
+          </p:cNvPr>
+          <p:cNvPicPr>
+            <a:picLocks noChangeAspect="1"/>
+          </p:cNvPicPr>
+          <p:nvPr/>
+        </p:nvPicPr>
+        <p:blipFill>
+          <a:blip r:embed="rId3">
+            <a:extLst>
+              <a:ext uri="{28A0092B-C50C-407E-A947-70E740481C1C}">
+                <a14:useLocalDpi xmlns:a14="http://schemas.microsoft.com/office/drawing/2010/main" val="0"/>
+              </a:ext>
+              <a:ext uri="{96DAC541-7B7A-43D3-8B79-37D633B846F1}">
+                <asvg:svgBlip xmlns:asvg="http://schemas.microsoft.com/office/drawing/2016/SVG/main" r:embed="rId4"/>
+              </a:ext>
+            </a:extLst>
+          </a:blip>
+          <a:stretch>
+            <a:fillRect/>
+          </a:stretch>
+        </p:blipFill>
+        <p:spPr>
+          <a:xfrm>
+            <a:off x="8894466" y="4067390"/>
+            <a:ext cx="1670538" cy="1670538"/>
+          </a:xfrm>
+          <a:prstGeom prst="rect">
+            <a:avLst/>
+          </a:prstGeom>
+        </p:spPr>
+      </p:pic>
+      <p:sp>
+        <p:nvSpPr>
+          <p:cNvPr id="15" name="Oval 14">
+            <a:extLst>
+              <a:ext uri="{FF2B5EF4-FFF2-40B4-BE49-F238E27FC236}">
+                <a16:creationId xmlns:a16="http://schemas.microsoft.com/office/drawing/2014/main" id="{729BA0B4-61AC-4EC1-8571-8889E23897D1}"/>
+              </a:ext>
+            </a:extLst>
+          </p:cNvPr>
+          <p:cNvSpPr/>
+          <p:nvPr/>
+        </p:nvSpPr>
+        <p:spPr>
+          <a:xfrm>
+            <a:off x="3426488" y="4572000"/>
+            <a:ext cx="2100105" cy="2069960"/>
+          </a:xfrm>
+          <a:prstGeom prst="ellipse">
+            <a:avLst/>
+          </a:prstGeom>
+          <a:noFill/>
+          <a:ln w="38100">
+            <a:solidFill>
+              <a:srgbClr val="92D050"/>
+            </a:solidFill>
+          </a:ln>
+        </p:spPr>
+        <p:style>
+          <a:lnRef idx="2">
+            <a:schemeClr val="accent1">
+              <a:shade val="50000"/>
+            </a:schemeClr>
+          </a:lnRef>
+          <a:fillRef idx="1">
+            <a:schemeClr val="accent1"/>
+          </a:fillRef>
+          <a:effectRef idx="0">
+            <a:schemeClr val="accent1"/>
+          </a:effectRef>
+          <a:fontRef idx="minor">
+            <a:schemeClr val="lt1"/>
+          </a:fontRef>
+        </p:style>
+        <p:txBody>
+          <a:bodyPr rtlCol="0" anchor="ctr"/>
+          <a:lstStyle/>
+          <a:p>
+            <a:pPr algn="ctr"/>
+            <a:endParaRPr lang="en-US"/>
+          </a:p>
+        </p:txBody>
+      </p:sp>
+      <p:pic>
+        <p:nvPicPr>
+          <p:cNvPr id="17" name="Graphic 16" descr="Checkmark">
+            <a:extLst>
+              <a:ext uri="{FF2B5EF4-FFF2-40B4-BE49-F238E27FC236}">
+                <a16:creationId xmlns:a16="http://schemas.microsoft.com/office/drawing/2014/main" id="{A049DD95-7925-48D1-A8BB-F17D3AD2BFD8}"/>
+              </a:ext>
+            </a:extLst>
+          </p:cNvPr>
+          <p:cNvPicPr>
+            <a:picLocks noChangeAspect="1"/>
+          </p:cNvPicPr>
+          <p:nvPr/>
+        </p:nvPicPr>
+        <p:blipFill>
+          <a:blip r:embed="rId5">
+            <a:extLst>
+              <a:ext uri="{28A0092B-C50C-407E-A947-70E740481C1C}">
+                <a14:useLocalDpi xmlns:a14="http://schemas.microsoft.com/office/drawing/2010/main" val="0"/>
+              </a:ext>
+              <a:ext uri="{96DAC541-7B7A-43D3-8B79-37D633B846F1}">
+                <asvg:svgBlip xmlns:asvg="http://schemas.microsoft.com/office/drawing/2016/SVG/main" r:embed="rId6"/>
+              </a:ext>
+            </a:extLst>
+          </a:blip>
+          <a:stretch>
+            <a:fillRect/>
+          </a:stretch>
+        </p:blipFill>
+        <p:spPr>
+          <a:xfrm>
+            <a:off x="3593540" y="5098282"/>
+            <a:ext cx="679389" cy="679389"/>
+          </a:xfrm>
+          <a:prstGeom prst="rect">
+            <a:avLst/>
+          </a:prstGeom>
+        </p:spPr>
+      </p:pic>
     </p:spTree>
     <p:extLst>
       <p:ext uri="{BB962C8B-B14F-4D97-AF65-F5344CB8AC3E}">
-        <p14:creationId xmlns:p14="http://schemas.microsoft.com/office/powerpoint/2010/main" val="2548294473"/>
+        <p14:creationId xmlns:p14="http://schemas.microsoft.com/office/powerpoint/2010/main" val="669331268"/>
       </p:ext>
     </p:extLst>
   </p:cSld>

--- a/JC/Presentation_covid.pptx
+++ b/JC/Presentation_covid.pptx
@@ -265,7 +265,7 @@
           <a:p>
             <a:fld id="{2DCA37DD-909E-442E-B9BD-92D26191BB41}" type="datetimeFigureOut">
               <a:rPr lang="en-US" smtClean="0"/>
-              <a:t>9/14/2020</a:t>
+              <a:t>9/16/2020</a:t>
             </a:fld>
             <a:endParaRPr lang="en-US"/>
           </a:p>
@@ -463,7 +463,7 @@
           <a:p>
             <a:fld id="{2DCA37DD-909E-442E-B9BD-92D26191BB41}" type="datetimeFigureOut">
               <a:rPr lang="en-US" smtClean="0"/>
-              <a:t>9/14/2020</a:t>
+              <a:t>9/16/2020</a:t>
             </a:fld>
             <a:endParaRPr lang="en-US"/>
           </a:p>
@@ -671,7 +671,7 @@
           <a:p>
             <a:fld id="{2DCA37DD-909E-442E-B9BD-92D26191BB41}" type="datetimeFigureOut">
               <a:rPr lang="en-US" smtClean="0"/>
-              <a:t>9/14/2020</a:t>
+              <a:t>9/16/2020</a:t>
             </a:fld>
             <a:endParaRPr lang="en-US"/>
           </a:p>
@@ -869,7 +869,7 @@
           <a:p>
             <a:fld id="{2DCA37DD-909E-442E-B9BD-92D26191BB41}" type="datetimeFigureOut">
               <a:rPr lang="en-US" smtClean="0"/>
-              <a:t>9/14/2020</a:t>
+              <a:t>9/16/2020</a:t>
             </a:fld>
             <a:endParaRPr lang="en-US"/>
           </a:p>
@@ -1144,7 +1144,7 @@
           <a:p>
             <a:fld id="{2DCA37DD-909E-442E-B9BD-92D26191BB41}" type="datetimeFigureOut">
               <a:rPr lang="en-US" smtClean="0"/>
-              <a:t>9/14/2020</a:t>
+              <a:t>9/16/2020</a:t>
             </a:fld>
             <a:endParaRPr lang="en-US"/>
           </a:p>
@@ -1409,7 +1409,7 @@
           <a:p>
             <a:fld id="{2DCA37DD-909E-442E-B9BD-92D26191BB41}" type="datetimeFigureOut">
               <a:rPr lang="en-US" smtClean="0"/>
-              <a:t>9/14/2020</a:t>
+              <a:t>9/16/2020</a:t>
             </a:fld>
             <a:endParaRPr lang="en-US"/>
           </a:p>
@@ -1821,7 +1821,7 @@
           <a:p>
             <a:fld id="{2DCA37DD-909E-442E-B9BD-92D26191BB41}" type="datetimeFigureOut">
               <a:rPr lang="en-US" smtClean="0"/>
-              <a:t>9/14/2020</a:t>
+              <a:t>9/16/2020</a:t>
             </a:fld>
             <a:endParaRPr lang="en-US"/>
           </a:p>
@@ -1962,7 +1962,7 @@
           <a:p>
             <a:fld id="{2DCA37DD-909E-442E-B9BD-92D26191BB41}" type="datetimeFigureOut">
               <a:rPr lang="en-US" smtClean="0"/>
-              <a:t>9/14/2020</a:t>
+              <a:t>9/16/2020</a:t>
             </a:fld>
             <a:endParaRPr lang="en-US"/>
           </a:p>
@@ -2075,7 +2075,7 @@
           <a:p>
             <a:fld id="{2DCA37DD-909E-442E-B9BD-92D26191BB41}" type="datetimeFigureOut">
               <a:rPr lang="en-US" smtClean="0"/>
-              <a:t>9/14/2020</a:t>
+              <a:t>9/16/2020</a:t>
             </a:fld>
             <a:endParaRPr lang="en-US"/>
           </a:p>
@@ -2386,7 +2386,7 @@
           <a:p>
             <a:fld id="{2DCA37DD-909E-442E-B9BD-92D26191BB41}" type="datetimeFigureOut">
               <a:rPr lang="en-US" smtClean="0"/>
-              <a:t>9/14/2020</a:t>
+              <a:t>9/16/2020</a:t>
             </a:fld>
             <a:endParaRPr lang="en-US"/>
           </a:p>
@@ -2674,7 +2674,7 @@
           <a:p>
             <a:fld id="{2DCA37DD-909E-442E-B9BD-92D26191BB41}" type="datetimeFigureOut">
               <a:rPr lang="en-US" smtClean="0"/>
-              <a:t>9/14/2020</a:t>
+              <a:t>9/16/2020</a:t>
             </a:fld>
             <a:endParaRPr lang="en-US"/>
           </a:p>
@@ -2915,7 +2915,7 @@
           <a:p>
             <a:fld id="{2DCA37DD-909E-442E-B9BD-92D26191BB41}" type="datetimeFigureOut">
               <a:rPr lang="en-US" smtClean="0"/>
-              <a:t>9/14/2020</a:t>
+              <a:t>9/16/2020</a:t>
             </a:fld>
             <a:endParaRPr lang="en-US"/>
           </a:p>
@@ -4320,6 +4320,36 @@
           </a:p>
         </p:txBody>
       </p:sp>
+      <p:pic>
+        <p:nvPicPr>
+          <p:cNvPr id="5" name="Picture 4">
+            <a:extLst>
+              <a:ext uri="{FF2B5EF4-FFF2-40B4-BE49-F238E27FC236}">
+                <a16:creationId xmlns:a16="http://schemas.microsoft.com/office/drawing/2014/main" id="{337DCA8F-DF49-44E8-9A5C-32D9DD3FD004}"/>
+              </a:ext>
+            </a:extLst>
+          </p:cNvPr>
+          <p:cNvPicPr>
+            <a:picLocks noChangeAspect="1"/>
+          </p:cNvPicPr>
+          <p:nvPr/>
+        </p:nvPicPr>
+        <p:blipFill>
+          <a:blip r:embed="rId8"/>
+          <a:stretch>
+            <a:fillRect/>
+          </a:stretch>
+        </p:blipFill>
+        <p:spPr>
+          <a:xfrm>
+            <a:off x="1615051" y="2624258"/>
+            <a:ext cx="8961897" cy="1609483"/>
+          </a:xfrm>
+          <a:prstGeom prst="rect">
+            <a:avLst/>
+          </a:prstGeom>
+        </p:spPr>
+      </p:pic>
     </p:spTree>
     <p:extLst>
       <p:ext uri="{BB962C8B-B14F-4D97-AF65-F5344CB8AC3E}">
@@ -4589,237 +4619,258 @@
           </a:p>
         </p:txBody>
       </p:sp>
-      <p:pic>
-        <p:nvPicPr>
-          <p:cNvPr id="6" name="Picture 5" descr="A close up of a map&#10;&#10;Description automatically generated">
-            <a:extLst>
-              <a:ext uri="{FF2B5EF4-FFF2-40B4-BE49-F238E27FC236}">
-                <a16:creationId xmlns:a16="http://schemas.microsoft.com/office/drawing/2014/main" id="{A156C104-FEA0-472C-B1C1-668CB0ABB2AD}"/>
-              </a:ext>
-            </a:extLst>
-          </p:cNvPr>
-          <p:cNvPicPr>
-            <a:picLocks noChangeAspect="1"/>
-          </p:cNvPicPr>
+      <p:grpSp>
+        <p:nvGrpSpPr>
+          <p:cNvPr id="7" name="Group 6">
+            <a:extLst>
+              <a:ext uri="{FF2B5EF4-FFF2-40B4-BE49-F238E27FC236}">
+                <a16:creationId xmlns:a16="http://schemas.microsoft.com/office/drawing/2014/main" id="{DA8A75A7-9FB4-4898-BBC9-6CE750C617E1}"/>
+              </a:ext>
+            </a:extLst>
+          </p:cNvPr>
+          <p:cNvGrpSpPr/>
           <p:nvPr/>
-        </p:nvPicPr>
-        <p:blipFill>
-          <a:blip r:embed="rId2">
-            <a:extLst>
-              <a:ext uri="{28A0092B-C50C-407E-A947-70E740481C1C}">
-                <a14:useLocalDpi xmlns:a14="http://schemas.microsoft.com/office/drawing/2010/main" val="0"/>
-              </a:ext>
-            </a:extLst>
-          </a:blip>
-          <a:stretch>
-            <a:fillRect/>
-          </a:stretch>
-        </p:blipFill>
-        <p:spPr>
+        </p:nvGrpSpPr>
+        <p:grpSpPr>
           <a:xfrm>
             <a:off x="530273" y="3037754"/>
             <a:ext cx="10964204" cy="3729810"/>
+            <a:chOff x="530273" y="3037754"/>
+            <a:chExt cx="10964204" cy="3729810"/>
           </a:xfrm>
-          <a:prstGeom prst="rect">
-            <a:avLst/>
-          </a:prstGeom>
-          <a:noFill/>
-          <a:ln>
-            <a:solidFill>
-              <a:srgbClr val="92D050"/>
-            </a:solidFill>
-          </a:ln>
-        </p:spPr>
-      </p:pic>
-      <p:sp>
-        <p:nvSpPr>
-          <p:cNvPr id="11" name="Oval 10">
-            <a:extLst>
-              <a:ext uri="{FF2B5EF4-FFF2-40B4-BE49-F238E27FC236}">
-                <a16:creationId xmlns:a16="http://schemas.microsoft.com/office/drawing/2014/main" id="{14876F9B-F39B-4115-A8C2-683925CC1185}"/>
-              </a:ext>
-            </a:extLst>
-          </p:cNvPr>
-          <p:cNvSpPr/>
-          <p:nvPr/>
-        </p:nvSpPr>
-        <p:spPr>
-          <a:xfrm>
-            <a:off x="6812782" y="3429000"/>
-            <a:ext cx="3587262" cy="3338564"/>
-          </a:xfrm>
-          <a:prstGeom prst="ellipse">
-            <a:avLst/>
-          </a:prstGeom>
-          <a:noFill/>
-          <a:ln w="38100">
-            <a:solidFill>
-              <a:srgbClr val="FF0000"/>
-            </a:solidFill>
-          </a:ln>
-          <a:effectLst>
-            <a:innerShdw blurRad="63500" dist="50800" dir="2700000">
-              <a:prstClr val="black">
-                <a:alpha val="50000"/>
-              </a:prstClr>
-            </a:innerShdw>
-          </a:effectLst>
-        </p:spPr>
-        <p:style>
-          <a:lnRef idx="2">
-            <a:schemeClr val="accent1">
-              <a:shade val="50000"/>
-            </a:schemeClr>
-          </a:lnRef>
-          <a:fillRef idx="1">
-            <a:schemeClr val="accent1"/>
-          </a:fillRef>
-          <a:effectRef idx="0">
-            <a:schemeClr val="accent1"/>
-          </a:effectRef>
-          <a:fontRef idx="minor">
-            <a:schemeClr val="lt1"/>
-          </a:fontRef>
-        </p:style>
-        <p:txBody>
-          <a:bodyPr rtlCol="0" anchor="ctr"/>
-          <a:lstStyle/>
-          <a:p>
-            <a:pPr algn="ctr"/>
-            <a:endParaRPr lang="en-US" dirty="0"/>
-          </a:p>
-        </p:txBody>
-      </p:sp>
-      <p:pic>
-        <p:nvPicPr>
-          <p:cNvPr id="14" name="Graphic 13" descr="Question mark">
-            <a:extLst>
-              <a:ext uri="{FF2B5EF4-FFF2-40B4-BE49-F238E27FC236}">
-                <a16:creationId xmlns:a16="http://schemas.microsoft.com/office/drawing/2014/main" id="{4543B527-1ADD-4218-A703-70EDF4929F05}"/>
-              </a:ext>
-            </a:extLst>
-          </p:cNvPr>
-          <p:cNvPicPr>
-            <a:picLocks noChangeAspect="1"/>
-          </p:cNvPicPr>
-          <p:nvPr/>
-        </p:nvPicPr>
-        <p:blipFill>
-          <a:blip r:embed="rId3">
-            <a:extLst>
-              <a:ext uri="{28A0092B-C50C-407E-A947-70E740481C1C}">
-                <a14:useLocalDpi xmlns:a14="http://schemas.microsoft.com/office/drawing/2010/main" val="0"/>
-              </a:ext>
-              <a:ext uri="{96DAC541-7B7A-43D3-8B79-37D633B846F1}">
-                <asvg:svgBlip xmlns:asvg="http://schemas.microsoft.com/office/drawing/2016/SVG/main" r:embed="rId4"/>
-              </a:ext>
-            </a:extLst>
-          </a:blip>
-          <a:stretch>
-            <a:fillRect/>
-          </a:stretch>
-        </p:blipFill>
-        <p:spPr>
-          <a:xfrm>
-            <a:off x="8894466" y="4067390"/>
-            <a:ext cx="1670538" cy="1670538"/>
-          </a:xfrm>
-          <a:prstGeom prst="rect">
-            <a:avLst/>
-          </a:prstGeom>
-        </p:spPr>
-      </p:pic>
-      <p:sp>
-        <p:nvSpPr>
-          <p:cNvPr id="15" name="Oval 14">
-            <a:extLst>
-              <a:ext uri="{FF2B5EF4-FFF2-40B4-BE49-F238E27FC236}">
-                <a16:creationId xmlns:a16="http://schemas.microsoft.com/office/drawing/2014/main" id="{729BA0B4-61AC-4EC1-8571-8889E23897D1}"/>
-              </a:ext>
-            </a:extLst>
-          </p:cNvPr>
-          <p:cNvSpPr/>
-          <p:nvPr/>
-        </p:nvSpPr>
-        <p:spPr>
-          <a:xfrm>
-            <a:off x="3426488" y="4572000"/>
-            <a:ext cx="2100105" cy="2069960"/>
-          </a:xfrm>
-          <a:prstGeom prst="ellipse">
-            <a:avLst/>
-          </a:prstGeom>
-          <a:noFill/>
-          <a:ln w="38100">
-            <a:solidFill>
-              <a:srgbClr val="92D050"/>
-            </a:solidFill>
-          </a:ln>
-        </p:spPr>
-        <p:style>
-          <a:lnRef idx="2">
-            <a:schemeClr val="accent1">
-              <a:shade val="50000"/>
-            </a:schemeClr>
-          </a:lnRef>
-          <a:fillRef idx="1">
-            <a:schemeClr val="accent1"/>
-          </a:fillRef>
-          <a:effectRef idx="0">
-            <a:schemeClr val="accent1"/>
-          </a:effectRef>
-          <a:fontRef idx="minor">
-            <a:schemeClr val="lt1"/>
-          </a:fontRef>
-        </p:style>
-        <p:txBody>
-          <a:bodyPr rtlCol="0" anchor="ctr"/>
-          <a:lstStyle/>
-          <a:p>
-            <a:pPr algn="ctr"/>
-            <a:endParaRPr lang="en-US"/>
-          </a:p>
-        </p:txBody>
-      </p:sp>
-      <p:pic>
-        <p:nvPicPr>
-          <p:cNvPr id="17" name="Graphic 16" descr="Checkmark">
-            <a:extLst>
-              <a:ext uri="{FF2B5EF4-FFF2-40B4-BE49-F238E27FC236}">
-                <a16:creationId xmlns:a16="http://schemas.microsoft.com/office/drawing/2014/main" id="{A049DD95-7925-48D1-A8BB-F17D3AD2BFD8}"/>
-              </a:ext>
-            </a:extLst>
-          </p:cNvPr>
-          <p:cNvPicPr>
-            <a:picLocks noChangeAspect="1"/>
-          </p:cNvPicPr>
-          <p:nvPr/>
-        </p:nvPicPr>
-        <p:blipFill>
-          <a:blip r:embed="rId5">
-            <a:extLst>
-              <a:ext uri="{28A0092B-C50C-407E-A947-70E740481C1C}">
-                <a14:useLocalDpi xmlns:a14="http://schemas.microsoft.com/office/drawing/2010/main" val="0"/>
-              </a:ext>
-              <a:ext uri="{96DAC541-7B7A-43D3-8B79-37D633B846F1}">
-                <asvg:svgBlip xmlns:asvg="http://schemas.microsoft.com/office/drawing/2016/SVG/main" r:embed="rId6"/>
-              </a:ext>
-            </a:extLst>
-          </a:blip>
-          <a:stretch>
-            <a:fillRect/>
-          </a:stretch>
-        </p:blipFill>
-        <p:spPr>
-          <a:xfrm>
-            <a:off x="3593540" y="5098282"/>
-            <a:ext cx="679389" cy="679389"/>
-          </a:xfrm>
-          <a:prstGeom prst="rect">
-            <a:avLst/>
-          </a:prstGeom>
-        </p:spPr>
-      </p:pic>
+        </p:grpSpPr>
+        <p:pic>
+          <p:nvPicPr>
+            <p:cNvPr id="6" name="Picture 5" descr="A close up of a map&#10;&#10;Description automatically generated">
+              <a:extLst>
+                <a:ext uri="{FF2B5EF4-FFF2-40B4-BE49-F238E27FC236}">
+                  <a16:creationId xmlns:a16="http://schemas.microsoft.com/office/drawing/2014/main" id="{A156C104-FEA0-472C-B1C1-668CB0ABB2AD}"/>
+                </a:ext>
+              </a:extLst>
+            </p:cNvPr>
+            <p:cNvPicPr>
+              <a:picLocks noChangeAspect="1"/>
+            </p:cNvPicPr>
+            <p:nvPr/>
+          </p:nvPicPr>
+          <p:blipFill>
+            <a:blip r:embed="rId2">
+              <a:extLst>
+                <a:ext uri="{28A0092B-C50C-407E-A947-70E740481C1C}">
+                  <a14:useLocalDpi xmlns:a14="http://schemas.microsoft.com/office/drawing/2010/main" val="0"/>
+                </a:ext>
+              </a:extLst>
+            </a:blip>
+            <a:stretch>
+              <a:fillRect/>
+            </a:stretch>
+          </p:blipFill>
+          <p:spPr>
+            <a:xfrm>
+              <a:off x="530273" y="3037754"/>
+              <a:ext cx="10964204" cy="3729810"/>
+            </a:xfrm>
+            <a:prstGeom prst="rect">
+              <a:avLst/>
+            </a:prstGeom>
+            <a:noFill/>
+            <a:ln>
+              <a:solidFill>
+                <a:srgbClr val="92D050"/>
+              </a:solidFill>
+            </a:ln>
+          </p:spPr>
+        </p:pic>
+        <p:sp>
+          <p:nvSpPr>
+            <p:cNvPr id="11" name="Oval 10">
+              <a:extLst>
+                <a:ext uri="{FF2B5EF4-FFF2-40B4-BE49-F238E27FC236}">
+                  <a16:creationId xmlns:a16="http://schemas.microsoft.com/office/drawing/2014/main" id="{14876F9B-F39B-4115-A8C2-683925CC1185}"/>
+                </a:ext>
+              </a:extLst>
+            </p:cNvPr>
+            <p:cNvSpPr/>
+            <p:nvPr/>
+          </p:nvSpPr>
+          <p:spPr>
+            <a:xfrm>
+              <a:off x="6812782" y="3429000"/>
+              <a:ext cx="3587262" cy="3338564"/>
+            </a:xfrm>
+            <a:prstGeom prst="ellipse">
+              <a:avLst/>
+            </a:prstGeom>
+            <a:noFill/>
+            <a:ln w="38100">
+              <a:solidFill>
+                <a:srgbClr val="FF0000"/>
+              </a:solidFill>
+            </a:ln>
+            <a:effectLst>
+              <a:innerShdw blurRad="63500" dist="50800" dir="2700000">
+                <a:prstClr val="black">
+                  <a:alpha val="50000"/>
+                </a:prstClr>
+              </a:innerShdw>
+            </a:effectLst>
+          </p:spPr>
+          <p:style>
+            <a:lnRef idx="2">
+              <a:schemeClr val="accent1">
+                <a:shade val="50000"/>
+              </a:schemeClr>
+            </a:lnRef>
+            <a:fillRef idx="1">
+              <a:schemeClr val="accent1"/>
+            </a:fillRef>
+            <a:effectRef idx="0">
+              <a:schemeClr val="accent1"/>
+            </a:effectRef>
+            <a:fontRef idx="minor">
+              <a:schemeClr val="lt1"/>
+            </a:fontRef>
+          </p:style>
+          <p:txBody>
+            <a:bodyPr rtlCol="0" anchor="ctr"/>
+            <a:lstStyle/>
+            <a:p>
+              <a:pPr algn="ctr"/>
+              <a:endParaRPr lang="en-US" dirty="0"/>
+            </a:p>
+          </p:txBody>
+        </p:sp>
+        <p:pic>
+          <p:nvPicPr>
+            <p:cNvPr id="14" name="Graphic 13" descr="Question mark">
+              <a:extLst>
+                <a:ext uri="{FF2B5EF4-FFF2-40B4-BE49-F238E27FC236}">
+                  <a16:creationId xmlns:a16="http://schemas.microsoft.com/office/drawing/2014/main" id="{4543B527-1ADD-4218-A703-70EDF4929F05}"/>
+                </a:ext>
+              </a:extLst>
+            </p:cNvPr>
+            <p:cNvPicPr>
+              <a:picLocks noChangeAspect="1"/>
+            </p:cNvPicPr>
+            <p:nvPr/>
+          </p:nvPicPr>
+          <p:blipFill>
+            <a:blip r:embed="rId3">
+              <a:extLst>
+                <a:ext uri="{28A0092B-C50C-407E-A947-70E740481C1C}">
+                  <a14:useLocalDpi xmlns:a14="http://schemas.microsoft.com/office/drawing/2010/main" val="0"/>
+                </a:ext>
+                <a:ext uri="{96DAC541-7B7A-43D3-8B79-37D633B846F1}">
+                  <asvg:svgBlip xmlns:asvg="http://schemas.microsoft.com/office/drawing/2016/SVG/main" r:embed="rId4"/>
+                </a:ext>
+              </a:extLst>
+            </a:blip>
+            <a:stretch>
+              <a:fillRect/>
+            </a:stretch>
+          </p:blipFill>
+          <p:spPr>
+            <a:xfrm>
+              <a:off x="8894466" y="4067390"/>
+              <a:ext cx="1670538" cy="1670538"/>
+            </a:xfrm>
+            <a:prstGeom prst="rect">
+              <a:avLst/>
+            </a:prstGeom>
+          </p:spPr>
+        </p:pic>
+        <p:sp>
+          <p:nvSpPr>
+            <p:cNvPr id="15" name="Oval 14">
+              <a:extLst>
+                <a:ext uri="{FF2B5EF4-FFF2-40B4-BE49-F238E27FC236}">
+                  <a16:creationId xmlns:a16="http://schemas.microsoft.com/office/drawing/2014/main" id="{729BA0B4-61AC-4EC1-8571-8889E23897D1}"/>
+                </a:ext>
+              </a:extLst>
+            </p:cNvPr>
+            <p:cNvSpPr/>
+            <p:nvPr/>
+          </p:nvSpPr>
+          <p:spPr>
+            <a:xfrm>
+              <a:off x="3426488" y="4572000"/>
+              <a:ext cx="2100105" cy="2069960"/>
+            </a:xfrm>
+            <a:prstGeom prst="ellipse">
+              <a:avLst/>
+            </a:prstGeom>
+            <a:noFill/>
+            <a:ln w="38100">
+              <a:solidFill>
+                <a:srgbClr val="92D050"/>
+              </a:solidFill>
+            </a:ln>
+          </p:spPr>
+          <p:style>
+            <a:lnRef idx="2">
+              <a:schemeClr val="accent1">
+                <a:shade val="50000"/>
+              </a:schemeClr>
+            </a:lnRef>
+            <a:fillRef idx="1">
+              <a:schemeClr val="accent1"/>
+            </a:fillRef>
+            <a:effectRef idx="0">
+              <a:schemeClr val="accent1"/>
+            </a:effectRef>
+            <a:fontRef idx="minor">
+              <a:schemeClr val="lt1"/>
+            </a:fontRef>
+          </p:style>
+          <p:txBody>
+            <a:bodyPr rtlCol="0" anchor="ctr"/>
+            <a:lstStyle/>
+            <a:p>
+              <a:pPr algn="ctr"/>
+              <a:endParaRPr lang="en-US"/>
+            </a:p>
+          </p:txBody>
+        </p:sp>
+        <p:pic>
+          <p:nvPicPr>
+            <p:cNvPr id="17" name="Graphic 16" descr="Checkmark">
+              <a:extLst>
+                <a:ext uri="{FF2B5EF4-FFF2-40B4-BE49-F238E27FC236}">
+                  <a16:creationId xmlns:a16="http://schemas.microsoft.com/office/drawing/2014/main" id="{A049DD95-7925-48D1-A8BB-F17D3AD2BFD8}"/>
+                </a:ext>
+              </a:extLst>
+            </p:cNvPr>
+            <p:cNvPicPr>
+              <a:picLocks noChangeAspect="1"/>
+            </p:cNvPicPr>
+            <p:nvPr/>
+          </p:nvPicPr>
+          <p:blipFill>
+            <a:blip r:embed="rId5">
+              <a:extLst>
+                <a:ext uri="{28A0092B-C50C-407E-A947-70E740481C1C}">
+                  <a14:useLocalDpi xmlns:a14="http://schemas.microsoft.com/office/drawing/2010/main" val="0"/>
+                </a:ext>
+                <a:ext uri="{96DAC541-7B7A-43D3-8B79-37D633B846F1}">
+                  <asvg:svgBlip xmlns:asvg="http://schemas.microsoft.com/office/drawing/2016/SVG/main" r:embed="rId6"/>
+                </a:ext>
+              </a:extLst>
+            </a:blip>
+            <a:stretch>
+              <a:fillRect/>
+            </a:stretch>
+          </p:blipFill>
+          <p:spPr>
+            <a:xfrm>
+              <a:off x="3593540" y="5098282"/>
+              <a:ext cx="679389" cy="679389"/>
+            </a:xfrm>
+            <a:prstGeom prst="rect">
+              <a:avLst/>
+            </a:prstGeom>
+          </p:spPr>
+        </p:pic>
+      </p:grpSp>
     </p:spTree>
     <p:extLst>
       <p:ext uri="{BB962C8B-B14F-4D97-AF65-F5344CB8AC3E}">
